--- a/ppt 16-9/1297.主日学的学生.pptx
+++ b/ppt 16-9/1297.主日学的学生.pptx
@@ -5,7 +5,7 @@
     <p:sldMasterId id="2147483648" r:id="rId1"/>
   </p:sldMasterIdLst>
   <p:sldIdLst>
-    <p:sldId id="846" r:id="rId2"/>
+    <p:sldId id="847" r:id="rId2"/>
   </p:sldIdLst>
   <p:sldSz cx="12192000" cy="6858000"/>
   <p:notesSz cx="6858000" cy="9144000"/>
@@ -129,7 +129,7 @@
           <p:cNvPr id="2" name="标题 1">
             <a:extLst>
               <a:ext uri="{FF2B5EF4-FFF2-40B4-BE49-F238E27FC236}">
-                <a16:creationId xmlns:a16="http://schemas.microsoft.com/office/drawing/2014/main" id="{E62409A4-A44E-97A2-5F40-EEFB5649EED5}"/>
+                <a16:creationId xmlns:a16="http://schemas.microsoft.com/office/drawing/2014/main" id="{E9EBCB70-4F57-7CA6-3008-9109577F9C6F}"/>
               </a:ext>
             </a:extLst>
           </p:cNvPr>
@@ -166,7 +166,7 @@
           <p:cNvPr id="3" name="副标题 2">
             <a:extLst>
               <a:ext uri="{FF2B5EF4-FFF2-40B4-BE49-F238E27FC236}">
-                <a16:creationId xmlns:a16="http://schemas.microsoft.com/office/drawing/2014/main" id="{DC387B7C-8D89-FDD4-1790-012B34C2662D}"/>
+                <a16:creationId xmlns:a16="http://schemas.microsoft.com/office/drawing/2014/main" id="{3D56D65B-925B-8552-6048-8D857DF01EE2}"/>
               </a:ext>
             </a:extLst>
           </p:cNvPr>
@@ -236,7 +236,7 @@
           <p:cNvPr id="4" name="日期占位符 3">
             <a:extLst>
               <a:ext uri="{FF2B5EF4-FFF2-40B4-BE49-F238E27FC236}">
-                <a16:creationId xmlns:a16="http://schemas.microsoft.com/office/drawing/2014/main" id="{F389C4EB-9542-9BF9-32C6-69B3D42E03EA}"/>
+                <a16:creationId xmlns:a16="http://schemas.microsoft.com/office/drawing/2014/main" id="{960DDD4A-17A2-F121-876A-AA32074FFD73}"/>
               </a:ext>
             </a:extLst>
           </p:cNvPr>
@@ -252,7 +252,7 @@
           <a:bodyPr/>
           <a:lstStyle/>
           <a:p>
-            <a:fld id="{527E9D71-DBBC-4AE1-9D83-97AD1577246C}" type="datetimeFigureOut">
+            <a:fld id="{B5412362-8E27-4DF3-8D56-65C13349BE37}" type="datetimeFigureOut">
               <a:rPr lang="zh-CN" altLang="en-US" smtClean="0"/>
               <a:t>2024/3/10</a:t>
             </a:fld>
@@ -265,7 +265,7 @@
           <p:cNvPr id="5" name="页脚占位符 4">
             <a:extLst>
               <a:ext uri="{FF2B5EF4-FFF2-40B4-BE49-F238E27FC236}">
-                <a16:creationId xmlns:a16="http://schemas.microsoft.com/office/drawing/2014/main" id="{49A5F254-D00D-D0B7-4D4A-0F8FDCE526B7}"/>
+                <a16:creationId xmlns:a16="http://schemas.microsoft.com/office/drawing/2014/main" id="{CAA4141D-A1AE-80DE-7C76-B96BFA259CE6}"/>
               </a:ext>
             </a:extLst>
           </p:cNvPr>
@@ -290,7 +290,7 @@
           <p:cNvPr id="6" name="灯片编号占位符 5">
             <a:extLst>
               <a:ext uri="{FF2B5EF4-FFF2-40B4-BE49-F238E27FC236}">
-                <a16:creationId xmlns:a16="http://schemas.microsoft.com/office/drawing/2014/main" id="{16638BBE-DEF5-564C-E1B6-5302C44D7D0D}"/>
+                <a16:creationId xmlns:a16="http://schemas.microsoft.com/office/drawing/2014/main" id="{C06C037B-1D83-EFE9-585C-E2BC83E5A7DF}"/>
               </a:ext>
             </a:extLst>
           </p:cNvPr>
@@ -306,7 +306,7 @@
           <a:bodyPr/>
           <a:lstStyle/>
           <a:p>
-            <a:fld id="{F9DFDAA2-B103-446B-B4F8-C67DA671816A}" type="slidenum">
+            <a:fld id="{0432C084-F1FF-4FB7-BE5B-F26BD086D17A}" type="slidenum">
               <a:rPr lang="zh-CN" altLang="en-US" smtClean="0"/>
               <a:t>‹#›</a:t>
             </a:fld>
@@ -317,7 +317,7 @@
     </p:spTree>
     <p:extLst>
       <p:ext uri="{BB962C8B-B14F-4D97-AF65-F5344CB8AC3E}">
-        <p14:creationId xmlns:p14="http://schemas.microsoft.com/office/powerpoint/2010/main" val="722672324"/>
+        <p14:creationId xmlns:p14="http://schemas.microsoft.com/office/powerpoint/2010/main" val="3533546088"/>
       </p:ext>
     </p:extLst>
   </p:cSld>
@@ -349,7 +349,7 @@
           <p:cNvPr id="2" name="标题 1">
             <a:extLst>
               <a:ext uri="{FF2B5EF4-FFF2-40B4-BE49-F238E27FC236}">
-                <a16:creationId xmlns:a16="http://schemas.microsoft.com/office/drawing/2014/main" id="{5DA55FFE-65AA-31B6-7474-D594201AB182}"/>
+                <a16:creationId xmlns:a16="http://schemas.microsoft.com/office/drawing/2014/main" id="{14A6137B-41F6-1004-1148-5A4B61EC8A20}"/>
               </a:ext>
             </a:extLst>
           </p:cNvPr>
@@ -377,7 +377,7 @@
           <p:cNvPr id="3" name="竖排文字占位符 2">
             <a:extLst>
               <a:ext uri="{FF2B5EF4-FFF2-40B4-BE49-F238E27FC236}">
-                <a16:creationId xmlns:a16="http://schemas.microsoft.com/office/drawing/2014/main" id="{AFC86C10-1D5D-445D-E1D2-36662FEA8A4A}"/>
+                <a16:creationId xmlns:a16="http://schemas.microsoft.com/office/drawing/2014/main" id="{E7664633-31D0-A90A-BBFB-1F3B6EC383B3}"/>
               </a:ext>
             </a:extLst>
           </p:cNvPr>
@@ -434,7 +434,7 @@
           <p:cNvPr id="4" name="日期占位符 3">
             <a:extLst>
               <a:ext uri="{FF2B5EF4-FFF2-40B4-BE49-F238E27FC236}">
-                <a16:creationId xmlns:a16="http://schemas.microsoft.com/office/drawing/2014/main" id="{98CF1A3C-487B-34AA-ACE1-CC6EDF9FFD88}"/>
+                <a16:creationId xmlns:a16="http://schemas.microsoft.com/office/drawing/2014/main" id="{C22E1371-171A-B273-8759-9F73CE241E47}"/>
               </a:ext>
             </a:extLst>
           </p:cNvPr>
@@ -450,7 +450,7 @@
           <a:bodyPr/>
           <a:lstStyle/>
           <a:p>
-            <a:fld id="{527E9D71-DBBC-4AE1-9D83-97AD1577246C}" type="datetimeFigureOut">
+            <a:fld id="{B5412362-8E27-4DF3-8D56-65C13349BE37}" type="datetimeFigureOut">
               <a:rPr lang="zh-CN" altLang="en-US" smtClean="0"/>
               <a:t>2024/3/10</a:t>
             </a:fld>
@@ -463,7 +463,7 @@
           <p:cNvPr id="5" name="页脚占位符 4">
             <a:extLst>
               <a:ext uri="{FF2B5EF4-FFF2-40B4-BE49-F238E27FC236}">
-                <a16:creationId xmlns:a16="http://schemas.microsoft.com/office/drawing/2014/main" id="{4B2B351E-2826-1839-6C2D-7375F9FCAA6D}"/>
+                <a16:creationId xmlns:a16="http://schemas.microsoft.com/office/drawing/2014/main" id="{1DCDAFB1-676E-E75F-DE3C-A7B902540C07}"/>
               </a:ext>
             </a:extLst>
           </p:cNvPr>
@@ -488,7 +488,7 @@
           <p:cNvPr id="6" name="灯片编号占位符 5">
             <a:extLst>
               <a:ext uri="{FF2B5EF4-FFF2-40B4-BE49-F238E27FC236}">
-                <a16:creationId xmlns:a16="http://schemas.microsoft.com/office/drawing/2014/main" id="{47CBF11F-F8C4-208D-1EB5-4F01029284FB}"/>
+                <a16:creationId xmlns:a16="http://schemas.microsoft.com/office/drawing/2014/main" id="{78009D30-397C-0676-2300-71284D1A79F8}"/>
               </a:ext>
             </a:extLst>
           </p:cNvPr>
@@ -504,7 +504,7 @@
           <a:bodyPr/>
           <a:lstStyle/>
           <a:p>
-            <a:fld id="{F9DFDAA2-B103-446B-B4F8-C67DA671816A}" type="slidenum">
+            <a:fld id="{0432C084-F1FF-4FB7-BE5B-F26BD086D17A}" type="slidenum">
               <a:rPr lang="zh-CN" altLang="en-US" smtClean="0"/>
               <a:t>‹#›</a:t>
             </a:fld>
@@ -515,7 +515,7 @@
     </p:spTree>
     <p:extLst>
       <p:ext uri="{BB962C8B-B14F-4D97-AF65-F5344CB8AC3E}">
-        <p14:creationId xmlns:p14="http://schemas.microsoft.com/office/powerpoint/2010/main" val="2961931273"/>
+        <p14:creationId xmlns:p14="http://schemas.microsoft.com/office/powerpoint/2010/main" val="991090014"/>
       </p:ext>
     </p:extLst>
   </p:cSld>
@@ -547,7 +547,7 @@
           <p:cNvPr id="2" name="竖排标题 1">
             <a:extLst>
               <a:ext uri="{FF2B5EF4-FFF2-40B4-BE49-F238E27FC236}">
-                <a16:creationId xmlns:a16="http://schemas.microsoft.com/office/drawing/2014/main" id="{F15D2BE2-1948-B122-3B00-1EE4A1417365}"/>
+                <a16:creationId xmlns:a16="http://schemas.microsoft.com/office/drawing/2014/main" id="{DE8C2ED8-87E8-6686-653A-175A8CD61F6F}"/>
               </a:ext>
             </a:extLst>
           </p:cNvPr>
@@ -580,7 +580,7 @@
           <p:cNvPr id="3" name="竖排文字占位符 2">
             <a:extLst>
               <a:ext uri="{FF2B5EF4-FFF2-40B4-BE49-F238E27FC236}">
-                <a16:creationId xmlns:a16="http://schemas.microsoft.com/office/drawing/2014/main" id="{6FA4867E-3955-DE32-0743-96AE4AC0D5D7}"/>
+                <a16:creationId xmlns:a16="http://schemas.microsoft.com/office/drawing/2014/main" id="{E3808878-DCEE-6679-4601-560EF46915EF}"/>
               </a:ext>
             </a:extLst>
           </p:cNvPr>
@@ -642,7 +642,7 @@
           <p:cNvPr id="4" name="日期占位符 3">
             <a:extLst>
               <a:ext uri="{FF2B5EF4-FFF2-40B4-BE49-F238E27FC236}">
-                <a16:creationId xmlns:a16="http://schemas.microsoft.com/office/drawing/2014/main" id="{9DDFE9A5-98B6-7AB2-3E14-36B2A42AFDE8}"/>
+                <a16:creationId xmlns:a16="http://schemas.microsoft.com/office/drawing/2014/main" id="{ECA9D24E-16DE-FEB3-34B3-794477B925DE}"/>
               </a:ext>
             </a:extLst>
           </p:cNvPr>
@@ -658,7 +658,7 @@
           <a:bodyPr/>
           <a:lstStyle/>
           <a:p>
-            <a:fld id="{527E9D71-DBBC-4AE1-9D83-97AD1577246C}" type="datetimeFigureOut">
+            <a:fld id="{B5412362-8E27-4DF3-8D56-65C13349BE37}" type="datetimeFigureOut">
               <a:rPr lang="zh-CN" altLang="en-US" smtClean="0"/>
               <a:t>2024/3/10</a:t>
             </a:fld>
@@ -671,7 +671,7 @@
           <p:cNvPr id="5" name="页脚占位符 4">
             <a:extLst>
               <a:ext uri="{FF2B5EF4-FFF2-40B4-BE49-F238E27FC236}">
-                <a16:creationId xmlns:a16="http://schemas.microsoft.com/office/drawing/2014/main" id="{D9672C5D-01B3-32B5-F6CA-C9B6732CB0C3}"/>
+                <a16:creationId xmlns:a16="http://schemas.microsoft.com/office/drawing/2014/main" id="{3DD6CF08-8534-3BE5-5F9A-E0135EBCE8B7}"/>
               </a:ext>
             </a:extLst>
           </p:cNvPr>
@@ -696,7 +696,7 @@
           <p:cNvPr id="6" name="灯片编号占位符 5">
             <a:extLst>
               <a:ext uri="{FF2B5EF4-FFF2-40B4-BE49-F238E27FC236}">
-                <a16:creationId xmlns:a16="http://schemas.microsoft.com/office/drawing/2014/main" id="{4588C52B-1CE8-07C7-47C6-57A4B5133768}"/>
+                <a16:creationId xmlns:a16="http://schemas.microsoft.com/office/drawing/2014/main" id="{CBC66F84-3BF7-06A3-7CBE-D48A19AD6441}"/>
               </a:ext>
             </a:extLst>
           </p:cNvPr>
@@ -712,7 +712,7 @@
           <a:bodyPr/>
           <a:lstStyle/>
           <a:p>
-            <a:fld id="{F9DFDAA2-B103-446B-B4F8-C67DA671816A}" type="slidenum">
+            <a:fld id="{0432C084-F1FF-4FB7-BE5B-F26BD086D17A}" type="slidenum">
               <a:rPr lang="zh-CN" altLang="en-US" smtClean="0"/>
               <a:t>‹#›</a:t>
             </a:fld>
@@ -723,7 +723,7 @@
     </p:spTree>
     <p:extLst>
       <p:ext uri="{BB962C8B-B14F-4D97-AF65-F5344CB8AC3E}">
-        <p14:creationId xmlns:p14="http://schemas.microsoft.com/office/powerpoint/2010/main" val="1123042718"/>
+        <p14:creationId xmlns:p14="http://schemas.microsoft.com/office/powerpoint/2010/main" val="177402079"/>
       </p:ext>
     </p:extLst>
   </p:cSld>
@@ -755,7 +755,7 @@
           <p:cNvPr id="2" name="标题 1">
             <a:extLst>
               <a:ext uri="{FF2B5EF4-FFF2-40B4-BE49-F238E27FC236}">
-                <a16:creationId xmlns:a16="http://schemas.microsoft.com/office/drawing/2014/main" id="{0FC11FC3-3908-33F5-8A4B-CE98883F6735}"/>
+                <a16:creationId xmlns:a16="http://schemas.microsoft.com/office/drawing/2014/main" id="{121D8F1E-94D3-B061-F18C-56FBDBAB186D}"/>
               </a:ext>
             </a:extLst>
           </p:cNvPr>
@@ -783,7 +783,7 @@
           <p:cNvPr id="3" name="内容占位符 2">
             <a:extLst>
               <a:ext uri="{FF2B5EF4-FFF2-40B4-BE49-F238E27FC236}">
-                <a16:creationId xmlns:a16="http://schemas.microsoft.com/office/drawing/2014/main" id="{CDA3F2D8-C475-FB75-AD36-A8ECD208EC5A}"/>
+                <a16:creationId xmlns:a16="http://schemas.microsoft.com/office/drawing/2014/main" id="{58714245-2C23-EDE6-7CF6-83022AF57D0C}"/>
               </a:ext>
             </a:extLst>
           </p:cNvPr>
@@ -840,7 +840,7 @@
           <p:cNvPr id="4" name="日期占位符 3">
             <a:extLst>
               <a:ext uri="{FF2B5EF4-FFF2-40B4-BE49-F238E27FC236}">
-                <a16:creationId xmlns:a16="http://schemas.microsoft.com/office/drawing/2014/main" id="{39DC3D7D-5FB4-E1E8-3DA3-FEFC8206915F}"/>
+                <a16:creationId xmlns:a16="http://schemas.microsoft.com/office/drawing/2014/main" id="{DA0E0CE9-8D44-B6E8-295A-AE58A60B44CC}"/>
               </a:ext>
             </a:extLst>
           </p:cNvPr>
@@ -856,7 +856,7 @@
           <a:bodyPr/>
           <a:lstStyle/>
           <a:p>
-            <a:fld id="{527E9D71-DBBC-4AE1-9D83-97AD1577246C}" type="datetimeFigureOut">
+            <a:fld id="{B5412362-8E27-4DF3-8D56-65C13349BE37}" type="datetimeFigureOut">
               <a:rPr lang="zh-CN" altLang="en-US" smtClean="0"/>
               <a:t>2024/3/10</a:t>
             </a:fld>
@@ -869,7 +869,7 @@
           <p:cNvPr id="5" name="页脚占位符 4">
             <a:extLst>
               <a:ext uri="{FF2B5EF4-FFF2-40B4-BE49-F238E27FC236}">
-                <a16:creationId xmlns:a16="http://schemas.microsoft.com/office/drawing/2014/main" id="{1E183998-D497-F8E6-3292-2D63D3E3687D}"/>
+                <a16:creationId xmlns:a16="http://schemas.microsoft.com/office/drawing/2014/main" id="{E1168237-B08B-0BB9-8FEB-ACD12A220DED}"/>
               </a:ext>
             </a:extLst>
           </p:cNvPr>
@@ -894,7 +894,7 @@
           <p:cNvPr id="6" name="灯片编号占位符 5">
             <a:extLst>
               <a:ext uri="{FF2B5EF4-FFF2-40B4-BE49-F238E27FC236}">
-                <a16:creationId xmlns:a16="http://schemas.microsoft.com/office/drawing/2014/main" id="{21B86AFE-9DF8-633C-026A-C3B482FD0C97}"/>
+                <a16:creationId xmlns:a16="http://schemas.microsoft.com/office/drawing/2014/main" id="{0DC87EE0-5734-A6FD-7A54-D93C31763BE5}"/>
               </a:ext>
             </a:extLst>
           </p:cNvPr>
@@ -910,7 +910,7 @@
           <a:bodyPr/>
           <a:lstStyle/>
           <a:p>
-            <a:fld id="{F9DFDAA2-B103-446B-B4F8-C67DA671816A}" type="slidenum">
+            <a:fld id="{0432C084-F1FF-4FB7-BE5B-F26BD086D17A}" type="slidenum">
               <a:rPr lang="zh-CN" altLang="en-US" smtClean="0"/>
               <a:t>‹#›</a:t>
             </a:fld>
@@ -921,7 +921,7 @@
     </p:spTree>
     <p:extLst>
       <p:ext uri="{BB962C8B-B14F-4D97-AF65-F5344CB8AC3E}">
-        <p14:creationId xmlns:p14="http://schemas.microsoft.com/office/powerpoint/2010/main" val="3682833102"/>
+        <p14:creationId xmlns:p14="http://schemas.microsoft.com/office/powerpoint/2010/main" val="1222184818"/>
       </p:ext>
     </p:extLst>
   </p:cSld>
@@ -953,7 +953,7 @@
           <p:cNvPr id="2" name="标题 1">
             <a:extLst>
               <a:ext uri="{FF2B5EF4-FFF2-40B4-BE49-F238E27FC236}">
-                <a16:creationId xmlns:a16="http://schemas.microsoft.com/office/drawing/2014/main" id="{514C77A7-4188-2C12-FEC6-86D3EC2BDF17}"/>
+                <a16:creationId xmlns:a16="http://schemas.microsoft.com/office/drawing/2014/main" id="{8AFA35FD-E828-F199-A689-1C05251BAD96}"/>
               </a:ext>
             </a:extLst>
           </p:cNvPr>
@@ -990,7 +990,7 @@
           <p:cNvPr id="3" name="文本占位符 2">
             <a:extLst>
               <a:ext uri="{FF2B5EF4-FFF2-40B4-BE49-F238E27FC236}">
-                <a16:creationId xmlns:a16="http://schemas.microsoft.com/office/drawing/2014/main" id="{2F78BAAF-2BE7-0B59-48FA-2DB84E0E2021}"/>
+                <a16:creationId xmlns:a16="http://schemas.microsoft.com/office/drawing/2014/main" id="{435C6F46-4EEC-897D-4C7B-46D4C0891EED}"/>
               </a:ext>
             </a:extLst>
           </p:cNvPr>
@@ -1115,7 +1115,7 @@
           <p:cNvPr id="4" name="日期占位符 3">
             <a:extLst>
               <a:ext uri="{FF2B5EF4-FFF2-40B4-BE49-F238E27FC236}">
-                <a16:creationId xmlns:a16="http://schemas.microsoft.com/office/drawing/2014/main" id="{FD1FD112-AFE4-2EC0-2392-4BC24E4FEB9E}"/>
+                <a16:creationId xmlns:a16="http://schemas.microsoft.com/office/drawing/2014/main" id="{C0EC35BE-FF7C-79F7-90F9-CE863BFDAA93}"/>
               </a:ext>
             </a:extLst>
           </p:cNvPr>
@@ -1131,7 +1131,7 @@
           <a:bodyPr/>
           <a:lstStyle/>
           <a:p>
-            <a:fld id="{527E9D71-DBBC-4AE1-9D83-97AD1577246C}" type="datetimeFigureOut">
+            <a:fld id="{B5412362-8E27-4DF3-8D56-65C13349BE37}" type="datetimeFigureOut">
               <a:rPr lang="zh-CN" altLang="en-US" smtClean="0"/>
               <a:t>2024/3/10</a:t>
             </a:fld>
@@ -1144,7 +1144,7 @@
           <p:cNvPr id="5" name="页脚占位符 4">
             <a:extLst>
               <a:ext uri="{FF2B5EF4-FFF2-40B4-BE49-F238E27FC236}">
-                <a16:creationId xmlns:a16="http://schemas.microsoft.com/office/drawing/2014/main" id="{885FFC6B-3CAC-D005-56C9-2884CFFC7C01}"/>
+                <a16:creationId xmlns:a16="http://schemas.microsoft.com/office/drawing/2014/main" id="{41A56AA2-83D7-21A3-332B-5959DC121736}"/>
               </a:ext>
             </a:extLst>
           </p:cNvPr>
@@ -1169,7 +1169,7 @@
           <p:cNvPr id="6" name="灯片编号占位符 5">
             <a:extLst>
               <a:ext uri="{FF2B5EF4-FFF2-40B4-BE49-F238E27FC236}">
-                <a16:creationId xmlns:a16="http://schemas.microsoft.com/office/drawing/2014/main" id="{FAA5301C-A74F-9968-0A08-FDE9F818230D}"/>
+                <a16:creationId xmlns:a16="http://schemas.microsoft.com/office/drawing/2014/main" id="{55589D8B-599F-812C-5616-E21A2FD124C9}"/>
               </a:ext>
             </a:extLst>
           </p:cNvPr>
@@ -1185,7 +1185,7 @@
           <a:bodyPr/>
           <a:lstStyle/>
           <a:p>
-            <a:fld id="{F9DFDAA2-B103-446B-B4F8-C67DA671816A}" type="slidenum">
+            <a:fld id="{0432C084-F1FF-4FB7-BE5B-F26BD086D17A}" type="slidenum">
               <a:rPr lang="zh-CN" altLang="en-US" smtClean="0"/>
               <a:t>‹#›</a:t>
             </a:fld>
@@ -1196,7 +1196,7 @@
     </p:spTree>
     <p:extLst>
       <p:ext uri="{BB962C8B-B14F-4D97-AF65-F5344CB8AC3E}">
-        <p14:creationId xmlns:p14="http://schemas.microsoft.com/office/powerpoint/2010/main" val="3552759507"/>
+        <p14:creationId xmlns:p14="http://schemas.microsoft.com/office/powerpoint/2010/main" val="4124993581"/>
       </p:ext>
     </p:extLst>
   </p:cSld>
@@ -1228,7 +1228,7 @@
           <p:cNvPr id="2" name="标题 1">
             <a:extLst>
               <a:ext uri="{FF2B5EF4-FFF2-40B4-BE49-F238E27FC236}">
-                <a16:creationId xmlns:a16="http://schemas.microsoft.com/office/drawing/2014/main" id="{EE9415E9-67C5-888C-7829-9542119988C3}"/>
+                <a16:creationId xmlns:a16="http://schemas.microsoft.com/office/drawing/2014/main" id="{92E28CBA-391E-DE66-C2CA-BB11A6272FE5}"/>
               </a:ext>
             </a:extLst>
           </p:cNvPr>
@@ -1256,7 +1256,7 @@
           <p:cNvPr id="3" name="内容占位符 2">
             <a:extLst>
               <a:ext uri="{FF2B5EF4-FFF2-40B4-BE49-F238E27FC236}">
-                <a16:creationId xmlns:a16="http://schemas.microsoft.com/office/drawing/2014/main" id="{A68CC660-A849-43ED-BE5C-2E4FF40EA12A}"/>
+                <a16:creationId xmlns:a16="http://schemas.microsoft.com/office/drawing/2014/main" id="{B0D1921B-DF90-FCAF-A9A9-AE10E1F062E3}"/>
               </a:ext>
             </a:extLst>
           </p:cNvPr>
@@ -1318,7 +1318,7 @@
           <p:cNvPr id="4" name="内容占位符 3">
             <a:extLst>
               <a:ext uri="{FF2B5EF4-FFF2-40B4-BE49-F238E27FC236}">
-                <a16:creationId xmlns:a16="http://schemas.microsoft.com/office/drawing/2014/main" id="{8AA24B7F-4B3E-8463-951B-256A0221275C}"/>
+                <a16:creationId xmlns:a16="http://schemas.microsoft.com/office/drawing/2014/main" id="{637E2B92-99C2-1062-8AAC-531B869AEE61}"/>
               </a:ext>
             </a:extLst>
           </p:cNvPr>
@@ -1380,7 +1380,7 @@
           <p:cNvPr id="5" name="日期占位符 4">
             <a:extLst>
               <a:ext uri="{FF2B5EF4-FFF2-40B4-BE49-F238E27FC236}">
-                <a16:creationId xmlns:a16="http://schemas.microsoft.com/office/drawing/2014/main" id="{103B6B78-C9FE-C509-94AD-06202F528EF1}"/>
+                <a16:creationId xmlns:a16="http://schemas.microsoft.com/office/drawing/2014/main" id="{63866BD8-D294-159F-685A-E65A23654492}"/>
               </a:ext>
             </a:extLst>
           </p:cNvPr>
@@ -1396,7 +1396,7 @@
           <a:bodyPr/>
           <a:lstStyle/>
           <a:p>
-            <a:fld id="{527E9D71-DBBC-4AE1-9D83-97AD1577246C}" type="datetimeFigureOut">
+            <a:fld id="{B5412362-8E27-4DF3-8D56-65C13349BE37}" type="datetimeFigureOut">
               <a:rPr lang="zh-CN" altLang="en-US" smtClean="0"/>
               <a:t>2024/3/10</a:t>
             </a:fld>
@@ -1409,7 +1409,7 @@
           <p:cNvPr id="6" name="页脚占位符 5">
             <a:extLst>
               <a:ext uri="{FF2B5EF4-FFF2-40B4-BE49-F238E27FC236}">
-                <a16:creationId xmlns:a16="http://schemas.microsoft.com/office/drawing/2014/main" id="{A0A9EC48-1E71-FE4F-A5E1-351C01C72F77}"/>
+                <a16:creationId xmlns:a16="http://schemas.microsoft.com/office/drawing/2014/main" id="{9E5640F2-5E01-F002-9D3C-8CE09DA2CE1B}"/>
               </a:ext>
             </a:extLst>
           </p:cNvPr>
@@ -1434,7 +1434,7 @@
           <p:cNvPr id="7" name="灯片编号占位符 6">
             <a:extLst>
               <a:ext uri="{FF2B5EF4-FFF2-40B4-BE49-F238E27FC236}">
-                <a16:creationId xmlns:a16="http://schemas.microsoft.com/office/drawing/2014/main" id="{7A906CD1-090F-C7A8-D075-BB8CA1400EEA}"/>
+                <a16:creationId xmlns:a16="http://schemas.microsoft.com/office/drawing/2014/main" id="{CA1709BD-04B7-51F8-DB17-D8D28F12E9DF}"/>
               </a:ext>
             </a:extLst>
           </p:cNvPr>
@@ -1450,7 +1450,7 @@
           <a:bodyPr/>
           <a:lstStyle/>
           <a:p>
-            <a:fld id="{F9DFDAA2-B103-446B-B4F8-C67DA671816A}" type="slidenum">
+            <a:fld id="{0432C084-F1FF-4FB7-BE5B-F26BD086D17A}" type="slidenum">
               <a:rPr lang="zh-CN" altLang="en-US" smtClean="0"/>
               <a:t>‹#›</a:t>
             </a:fld>
@@ -1461,7 +1461,7 @@
     </p:spTree>
     <p:extLst>
       <p:ext uri="{BB962C8B-B14F-4D97-AF65-F5344CB8AC3E}">
-        <p14:creationId xmlns:p14="http://schemas.microsoft.com/office/powerpoint/2010/main" val="3586040862"/>
+        <p14:creationId xmlns:p14="http://schemas.microsoft.com/office/powerpoint/2010/main" val="3345225972"/>
       </p:ext>
     </p:extLst>
   </p:cSld>
@@ -1493,7 +1493,7 @@
           <p:cNvPr id="2" name="标题 1">
             <a:extLst>
               <a:ext uri="{FF2B5EF4-FFF2-40B4-BE49-F238E27FC236}">
-                <a16:creationId xmlns:a16="http://schemas.microsoft.com/office/drawing/2014/main" id="{B89435A7-2352-B2C2-B430-B380AB9C3A56}"/>
+                <a16:creationId xmlns:a16="http://schemas.microsoft.com/office/drawing/2014/main" id="{EAA5070D-7732-4421-1580-F8F7530E7D86}"/>
               </a:ext>
             </a:extLst>
           </p:cNvPr>
@@ -1526,7 +1526,7 @@
           <p:cNvPr id="3" name="文本占位符 2">
             <a:extLst>
               <a:ext uri="{FF2B5EF4-FFF2-40B4-BE49-F238E27FC236}">
-                <a16:creationId xmlns:a16="http://schemas.microsoft.com/office/drawing/2014/main" id="{9893520D-F8A6-8479-69C9-423B1E72159C}"/>
+                <a16:creationId xmlns:a16="http://schemas.microsoft.com/office/drawing/2014/main" id="{55CE51D8-596C-6649-7EDF-9451256F6F40}"/>
               </a:ext>
             </a:extLst>
           </p:cNvPr>
@@ -1597,7 +1597,7 @@
           <p:cNvPr id="4" name="内容占位符 3">
             <a:extLst>
               <a:ext uri="{FF2B5EF4-FFF2-40B4-BE49-F238E27FC236}">
-                <a16:creationId xmlns:a16="http://schemas.microsoft.com/office/drawing/2014/main" id="{6E989395-65E7-5D7B-F1D0-CF6FDA1172A7}"/>
+                <a16:creationId xmlns:a16="http://schemas.microsoft.com/office/drawing/2014/main" id="{E733D56F-52B1-6A5C-2191-85EB7B72D9B9}"/>
               </a:ext>
             </a:extLst>
           </p:cNvPr>
@@ -1659,7 +1659,7 @@
           <p:cNvPr id="5" name="文本占位符 4">
             <a:extLst>
               <a:ext uri="{FF2B5EF4-FFF2-40B4-BE49-F238E27FC236}">
-                <a16:creationId xmlns:a16="http://schemas.microsoft.com/office/drawing/2014/main" id="{6437F772-DBA1-3972-5375-65142F0351B6}"/>
+                <a16:creationId xmlns:a16="http://schemas.microsoft.com/office/drawing/2014/main" id="{E04546DE-12CA-C49E-A7A8-646D621E82C7}"/>
               </a:ext>
             </a:extLst>
           </p:cNvPr>
@@ -1730,7 +1730,7 @@
           <p:cNvPr id="6" name="内容占位符 5">
             <a:extLst>
               <a:ext uri="{FF2B5EF4-FFF2-40B4-BE49-F238E27FC236}">
-                <a16:creationId xmlns:a16="http://schemas.microsoft.com/office/drawing/2014/main" id="{9EC5D0AD-A947-72FD-A329-13E855F9C279}"/>
+                <a16:creationId xmlns:a16="http://schemas.microsoft.com/office/drawing/2014/main" id="{7BDF3383-1808-3E58-1606-685DA631F714}"/>
               </a:ext>
             </a:extLst>
           </p:cNvPr>
@@ -1792,7 +1792,7 @@
           <p:cNvPr id="7" name="日期占位符 6">
             <a:extLst>
               <a:ext uri="{FF2B5EF4-FFF2-40B4-BE49-F238E27FC236}">
-                <a16:creationId xmlns:a16="http://schemas.microsoft.com/office/drawing/2014/main" id="{0A9A31F0-67B3-9784-F315-CAB9E5972AE9}"/>
+                <a16:creationId xmlns:a16="http://schemas.microsoft.com/office/drawing/2014/main" id="{376AB869-E207-6CD7-A636-3D3C1BC26AD1}"/>
               </a:ext>
             </a:extLst>
           </p:cNvPr>
@@ -1808,7 +1808,7 @@
           <a:bodyPr/>
           <a:lstStyle/>
           <a:p>
-            <a:fld id="{527E9D71-DBBC-4AE1-9D83-97AD1577246C}" type="datetimeFigureOut">
+            <a:fld id="{B5412362-8E27-4DF3-8D56-65C13349BE37}" type="datetimeFigureOut">
               <a:rPr lang="zh-CN" altLang="en-US" smtClean="0"/>
               <a:t>2024/3/10</a:t>
             </a:fld>
@@ -1821,7 +1821,7 @@
           <p:cNvPr id="8" name="页脚占位符 7">
             <a:extLst>
               <a:ext uri="{FF2B5EF4-FFF2-40B4-BE49-F238E27FC236}">
-                <a16:creationId xmlns:a16="http://schemas.microsoft.com/office/drawing/2014/main" id="{2A81533C-4DF4-9D95-B6A1-9ED20790EB70}"/>
+                <a16:creationId xmlns:a16="http://schemas.microsoft.com/office/drawing/2014/main" id="{051E6117-CCB3-C867-F641-53D5DB36FF82}"/>
               </a:ext>
             </a:extLst>
           </p:cNvPr>
@@ -1846,7 +1846,7 @@
           <p:cNvPr id="9" name="灯片编号占位符 8">
             <a:extLst>
               <a:ext uri="{FF2B5EF4-FFF2-40B4-BE49-F238E27FC236}">
-                <a16:creationId xmlns:a16="http://schemas.microsoft.com/office/drawing/2014/main" id="{0860DC68-CAC7-8677-05BB-C781ED1F2E2E}"/>
+                <a16:creationId xmlns:a16="http://schemas.microsoft.com/office/drawing/2014/main" id="{EE8BF5F9-1AD7-71A8-27AC-8544E6245DA9}"/>
               </a:ext>
             </a:extLst>
           </p:cNvPr>
@@ -1862,7 +1862,7 @@
           <a:bodyPr/>
           <a:lstStyle/>
           <a:p>
-            <a:fld id="{F9DFDAA2-B103-446B-B4F8-C67DA671816A}" type="slidenum">
+            <a:fld id="{0432C084-F1FF-4FB7-BE5B-F26BD086D17A}" type="slidenum">
               <a:rPr lang="zh-CN" altLang="en-US" smtClean="0"/>
               <a:t>‹#›</a:t>
             </a:fld>
@@ -1873,7 +1873,7 @@
     </p:spTree>
     <p:extLst>
       <p:ext uri="{BB962C8B-B14F-4D97-AF65-F5344CB8AC3E}">
-        <p14:creationId xmlns:p14="http://schemas.microsoft.com/office/powerpoint/2010/main" val="2383604150"/>
+        <p14:creationId xmlns:p14="http://schemas.microsoft.com/office/powerpoint/2010/main" val="680227468"/>
       </p:ext>
     </p:extLst>
   </p:cSld>
@@ -1905,7 +1905,7 @@
           <p:cNvPr id="2" name="标题 1">
             <a:extLst>
               <a:ext uri="{FF2B5EF4-FFF2-40B4-BE49-F238E27FC236}">
-                <a16:creationId xmlns:a16="http://schemas.microsoft.com/office/drawing/2014/main" id="{2337177E-523B-798D-3257-C603FECBDF34}"/>
+                <a16:creationId xmlns:a16="http://schemas.microsoft.com/office/drawing/2014/main" id="{63C7E5B9-D2E5-B5BE-6833-2F3F232C6C67}"/>
               </a:ext>
             </a:extLst>
           </p:cNvPr>
@@ -1933,7 +1933,7 @@
           <p:cNvPr id="3" name="日期占位符 2">
             <a:extLst>
               <a:ext uri="{FF2B5EF4-FFF2-40B4-BE49-F238E27FC236}">
-                <a16:creationId xmlns:a16="http://schemas.microsoft.com/office/drawing/2014/main" id="{0B5F237F-E46F-FEFC-58DB-84792582C936}"/>
+                <a16:creationId xmlns:a16="http://schemas.microsoft.com/office/drawing/2014/main" id="{E66333A2-647A-F694-4D09-361463EEA8C4}"/>
               </a:ext>
             </a:extLst>
           </p:cNvPr>
@@ -1949,7 +1949,7 @@
           <a:bodyPr/>
           <a:lstStyle/>
           <a:p>
-            <a:fld id="{527E9D71-DBBC-4AE1-9D83-97AD1577246C}" type="datetimeFigureOut">
+            <a:fld id="{B5412362-8E27-4DF3-8D56-65C13349BE37}" type="datetimeFigureOut">
               <a:rPr lang="zh-CN" altLang="en-US" smtClean="0"/>
               <a:t>2024/3/10</a:t>
             </a:fld>
@@ -1962,7 +1962,7 @@
           <p:cNvPr id="4" name="页脚占位符 3">
             <a:extLst>
               <a:ext uri="{FF2B5EF4-FFF2-40B4-BE49-F238E27FC236}">
-                <a16:creationId xmlns:a16="http://schemas.microsoft.com/office/drawing/2014/main" id="{06408A28-1E20-C394-639D-C645A2F65BA8}"/>
+                <a16:creationId xmlns:a16="http://schemas.microsoft.com/office/drawing/2014/main" id="{2E96D1D5-2E96-9B53-F9A3-173F133FA4A1}"/>
               </a:ext>
             </a:extLst>
           </p:cNvPr>
@@ -1987,7 +1987,7 @@
           <p:cNvPr id="5" name="灯片编号占位符 4">
             <a:extLst>
               <a:ext uri="{FF2B5EF4-FFF2-40B4-BE49-F238E27FC236}">
-                <a16:creationId xmlns:a16="http://schemas.microsoft.com/office/drawing/2014/main" id="{B6F69F1F-C1BF-2B78-CBB0-BD4CFBA61C10}"/>
+                <a16:creationId xmlns:a16="http://schemas.microsoft.com/office/drawing/2014/main" id="{35D5EBCE-E358-D908-979E-27521A32FF4F}"/>
               </a:ext>
             </a:extLst>
           </p:cNvPr>
@@ -2003,7 +2003,7 @@
           <a:bodyPr/>
           <a:lstStyle/>
           <a:p>
-            <a:fld id="{F9DFDAA2-B103-446B-B4F8-C67DA671816A}" type="slidenum">
+            <a:fld id="{0432C084-F1FF-4FB7-BE5B-F26BD086D17A}" type="slidenum">
               <a:rPr lang="zh-CN" altLang="en-US" smtClean="0"/>
               <a:t>‹#›</a:t>
             </a:fld>
@@ -2014,7 +2014,7 @@
     </p:spTree>
     <p:extLst>
       <p:ext uri="{BB962C8B-B14F-4D97-AF65-F5344CB8AC3E}">
-        <p14:creationId xmlns:p14="http://schemas.microsoft.com/office/powerpoint/2010/main" val="3439191144"/>
+        <p14:creationId xmlns:p14="http://schemas.microsoft.com/office/powerpoint/2010/main" val="2007306633"/>
       </p:ext>
     </p:extLst>
   </p:cSld>
@@ -2046,7 +2046,7 @@
           <p:cNvPr id="2" name="日期占位符 1">
             <a:extLst>
               <a:ext uri="{FF2B5EF4-FFF2-40B4-BE49-F238E27FC236}">
-                <a16:creationId xmlns:a16="http://schemas.microsoft.com/office/drawing/2014/main" id="{9494E106-46A6-481E-7133-CC90410D2A3C}"/>
+                <a16:creationId xmlns:a16="http://schemas.microsoft.com/office/drawing/2014/main" id="{6BE5E504-2C59-F3F7-A17A-6BFC0493AAC4}"/>
               </a:ext>
             </a:extLst>
           </p:cNvPr>
@@ -2062,7 +2062,7 @@
           <a:bodyPr/>
           <a:lstStyle/>
           <a:p>
-            <a:fld id="{527E9D71-DBBC-4AE1-9D83-97AD1577246C}" type="datetimeFigureOut">
+            <a:fld id="{B5412362-8E27-4DF3-8D56-65C13349BE37}" type="datetimeFigureOut">
               <a:rPr lang="zh-CN" altLang="en-US" smtClean="0"/>
               <a:t>2024/3/10</a:t>
             </a:fld>
@@ -2075,7 +2075,7 @@
           <p:cNvPr id="3" name="页脚占位符 2">
             <a:extLst>
               <a:ext uri="{FF2B5EF4-FFF2-40B4-BE49-F238E27FC236}">
-                <a16:creationId xmlns:a16="http://schemas.microsoft.com/office/drawing/2014/main" id="{EC3782A2-A882-9A2B-F79C-9386D0599BAA}"/>
+                <a16:creationId xmlns:a16="http://schemas.microsoft.com/office/drawing/2014/main" id="{20634ABC-255F-3FC7-C443-C241408AD6F6}"/>
               </a:ext>
             </a:extLst>
           </p:cNvPr>
@@ -2100,7 +2100,7 @@
           <p:cNvPr id="4" name="灯片编号占位符 3">
             <a:extLst>
               <a:ext uri="{FF2B5EF4-FFF2-40B4-BE49-F238E27FC236}">
-                <a16:creationId xmlns:a16="http://schemas.microsoft.com/office/drawing/2014/main" id="{30DBBA22-57D0-1F95-7AF2-28AF10857A93}"/>
+                <a16:creationId xmlns:a16="http://schemas.microsoft.com/office/drawing/2014/main" id="{29312C0F-EC95-3AD6-0936-F8B38AC708EB}"/>
               </a:ext>
             </a:extLst>
           </p:cNvPr>
@@ -2116,7 +2116,7 @@
           <a:bodyPr/>
           <a:lstStyle/>
           <a:p>
-            <a:fld id="{F9DFDAA2-B103-446B-B4F8-C67DA671816A}" type="slidenum">
+            <a:fld id="{0432C084-F1FF-4FB7-BE5B-F26BD086D17A}" type="slidenum">
               <a:rPr lang="zh-CN" altLang="en-US" smtClean="0"/>
               <a:t>‹#›</a:t>
             </a:fld>
@@ -2127,7 +2127,7 @@
     </p:spTree>
     <p:extLst>
       <p:ext uri="{BB962C8B-B14F-4D97-AF65-F5344CB8AC3E}">
-        <p14:creationId xmlns:p14="http://schemas.microsoft.com/office/powerpoint/2010/main" val="1103769373"/>
+        <p14:creationId xmlns:p14="http://schemas.microsoft.com/office/powerpoint/2010/main" val="3281986236"/>
       </p:ext>
     </p:extLst>
   </p:cSld>
@@ -2159,7 +2159,7 @@
           <p:cNvPr id="2" name="标题 1">
             <a:extLst>
               <a:ext uri="{FF2B5EF4-FFF2-40B4-BE49-F238E27FC236}">
-                <a16:creationId xmlns:a16="http://schemas.microsoft.com/office/drawing/2014/main" id="{2401DD2E-97E6-749C-F2D4-5B3C160CC2DC}"/>
+                <a16:creationId xmlns:a16="http://schemas.microsoft.com/office/drawing/2014/main" id="{47167006-9A59-1632-6707-99411B4BD1F1}"/>
               </a:ext>
             </a:extLst>
           </p:cNvPr>
@@ -2196,7 +2196,7 @@
           <p:cNvPr id="3" name="内容占位符 2">
             <a:extLst>
               <a:ext uri="{FF2B5EF4-FFF2-40B4-BE49-F238E27FC236}">
-                <a16:creationId xmlns:a16="http://schemas.microsoft.com/office/drawing/2014/main" id="{730709B2-C93F-8214-5226-20289693618B}"/>
+                <a16:creationId xmlns:a16="http://schemas.microsoft.com/office/drawing/2014/main" id="{C0D64240-4325-355E-F7ED-308769421D0B}"/>
               </a:ext>
             </a:extLst>
           </p:cNvPr>
@@ -2286,7 +2286,7 @@
           <p:cNvPr id="4" name="文本占位符 3">
             <a:extLst>
               <a:ext uri="{FF2B5EF4-FFF2-40B4-BE49-F238E27FC236}">
-                <a16:creationId xmlns:a16="http://schemas.microsoft.com/office/drawing/2014/main" id="{296B4F8C-85E1-1932-AD53-F5CA3D8F3ED4}"/>
+                <a16:creationId xmlns:a16="http://schemas.microsoft.com/office/drawing/2014/main" id="{EE09A32B-3F82-79AB-6BBA-63BF42B6938B}"/>
               </a:ext>
             </a:extLst>
           </p:cNvPr>
@@ -2357,7 +2357,7 @@
           <p:cNvPr id="5" name="日期占位符 4">
             <a:extLst>
               <a:ext uri="{FF2B5EF4-FFF2-40B4-BE49-F238E27FC236}">
-                <a16:creationId xmlns:a16="http://schemas.microsoft.com/office/drawing/2014/main" id="{DF942A3F-99FF-4169-BECD-609F169B0EBC}"/>
+                <a16:creationId xmlns:a16="http://schemas.microsoft.com/office/drawing/2014/main" id="{96505085-6FF1-46A8-A0E0-698BCD7554E7}"/>
               </a:ext>
             </a:extLst>
           </p:cNvPr>
@@ -2373,7 +2373,7 @@
           <a:bodyPr/>
           <a:lstStyle/>
           <a:p>
-            <a:fld id="{527E9D71-DBBC-4AE1-9D83-97AD1577246C}" type="datetimeFigureOut">
+            <a:fld id="{B5412362-8E27-4DF3-8D56-65C13349BE37}" type="datetimeFigureOut">
               <a:rPr lang="zh-CN" altLang="en-US" smtClean="0"/>
               <a:t>2024/3/10</a:t>
             </a:fld>
@@ -2386,7 +2386,7 @@
           <p:cNvPr id="6" name="页脚占位符 5">
             <a:extLst>
               <a:ext uri="{FF2B5EF4-FFF2-40B4-BE49-F238E27FC236}">
-                <a16:creationId xmlns:a16="http://schemas.microsoft.com/office/drawing/2014/main" id="{1CEF9C07-4B45-016B-EDD7-E844D7EB50FE}"/>
+                <a16:creationId xmlns:a16="http://schemas.microsoft.com/office/drawing/2014/main" id="{A965846D-92BD-9C1A-A623-37FDEA53FB1A}"/>
               </a:ext>
             </a:extLst>
           </p:cNvPr>
@@ -2411,7 +2411,7 @@
           <p:cNvPr id="7" name="灯片编号占位符 6">
             <a:extLst>
               <a:ext uri="{FF2B5EF4-FFF2-40B4-BE49-F238E27FC236}">
-                <a16:creationId xmlns:a16="http://schemas.microsoft.com/office/drawing/2014/main" id="{2912FF86-3725-716B-F0BF-7C445F8AF72B}"/>
+                <a16:creationId xmlns:a16="http://schemas.microsoft.com/office/drawing/2014/main" id="{178525F7-EE6C-8D93-D05E-D1BBFE73D07C}"/>
               </a:ext>
             </a:extLst>
           </p:cNvPr>
@@ -2427,7 +2427,7 @@
           <a:bodyPr/>
           <a:lstStyle/>
           <a:p>
-            <a:fld id="{F9DFDAA2-B103-446B-B4F8-C67DA671816A}" type="slidenum">
+            <a:fld id="{0432C084-F1FF-4FB7-BE5B-F26BD086D17A}" type="slidenum">
               <a:rPr lang="zh-CN" altLang="en-US" smtClean="0"/>
               <a:t>‹#›</a:t>
             </a:fld>
@@ -2438,7 +2438,7 @@
     </p:spTree>
     <p:extLst>
       <p:ext uri="{BB962C8B-B14F-4D97-AF65-F5344CB8AC3E}">
-        <p14:creationId xmlns:p14="http://schemas.microsoft.com/office/powerpoint/2010/main" val="4196078063"/>
+        <p14:creationId xmlns:p14="http://schemas.microsoft.com/office/powerpoint/2010/main" val="819587055"/>
       </p:ext>
     </p:extLst>
   </p:cSld>
@@ -2470,7 +2470,7 @@
           <p:cNvPr id="2" name="标题 1">
             <a:extLst>
               <a:ext uri="{FF2B5EF4-FFF2-40B4-BE49-F238E27FC236}">
-                <a16:creationId xmlns:a16="http://schemas.microsoft.com/office/drawing/2014/main" id="{5E00658C-9E9C-5E4F-BC1E-D4BF72FC031A}"/>
+                <a16:creationId xmlns:a16="http://schemas.microsoft.com/office/drawing/2014/main" id="{E973F2BB-6DC4-F53B-5980-82D3CB716805}"/>
               </a:ext>
             </a:extLst>
           </p:cNvPr>
@@ -2507,7 +2507,7 @@
           <p:cNvPr id="3" name="图片占位符 2">
             <a:extLst>
               <a:ext uri="{FF2B5EF4-FFF2-40B4-BE49-F238E27FC236}">
-                <a16:creationId xmlns:a16="http://schemas.microsoft.com/office/drawing/2014/main" id="{A06DDB90-E6AA-B134-D44D-7B28E90129F3}"/>
+                <a16:creationId xmlns:a16="http://schemas.microsoft.com/office/drawing/2014/main" id="{BC2D4EB3-63F2-3F3B-079E-C386D8E2FF2B}"/>
               </a:ext>
             </a:extLst>
           </p:cNvPr>
@@ -2574,7 +2574,7 @@
           <p:cNvPr id="4" name="文本占位符 3">
             <a:extLst>
               <a:ext uri="{FF2B5EF4-FFF2-40B4-BE49-F238E27FC236}">
-                <a16:creationId xmlns:a16="http://schemas.microsoft.com/office/drawing/2014/main" id="{E3BCFB28-9D16-A967-6D3B-76F824F4905D}"/>
+                <a16:creationId xmlns:a16="http://schemas.microsoft.com/office/drawing/2014/main" id="{01E9A8D2-D4B7-1FD9-3D22-406A8C54DFEA}"/>
               </a:ext>
             </a:extLst>
           </p:cNvPr>
@@ -2645,7 +2645,7 @@
           <p:cNvPr id="5" name="日期占位符 4">
             <a:extLst>
               <a:ext uri="{FF2B5EF4-FFF2-40B4-BE49-F238E27FC236}">
-                <a16:creationId xmlns:a16="http://schemas.microsoft.com/office/drawing/2014/main" id="{FB9963A1-7B64-191C-65F1-FD3011110ED9}"/>
+                <a16:creationId xmlns:a16="http://schemas.microsoft.com/office/drawing/2014/main" id="{CC9B5C8A-DD98-2E51-2A48-23E7D8C932DA}"/>
               </a:ext>
             </a:extLst>
           </p:cNvPr>
@@ -2661,7 +2661,7 @@
           <a:bodyPr/>
           <a:lstStyle/>
           <a:p>
-            <a:fld id="{527E9D71-DBBC-4AE1-9D83-97AD1577246C}" type="datetimeFigureOut">
+            <a:fld id="{B5412362-8E27-4DF3-8D56-65C13349BE37}" type="datetimeFigureOut">
               <a:rPr lang="zh-CN" altLang="en-US" smtClean="0"/>
               <a:t>2024/3/10</a:t>
             </a:fld>
@@ -2674,7 +2674,7 @@
           <p:cNvPr id="6" name="页脚占位符 5">
             <a:extLst>
               <a:ext uri="{FF2B5EF4-FFF2-40B4-BE49-F238E27FC236}">
-                <a16:creationId xmlns:a16="http://schemas.microsoft.com/office/drawing/2014/main" id="{7C43B5FD-014A-CD47-43E2-BDEAA0C2EDD3}"/>
+                <a16:creationId xmlns:a16="http://schemas.microsoft.com/office/drawing/2014/main" id="{4E3F096F-817B-7946-4D12-1F05C4B16547}"/>
               </a:ext>
             </a:extLst>
           </p:cNvPr>
@@ -2699,7 +2699,7 @@
           <p:cNvPr id="7" name="灯片编号占位符 6">
             <a:extLst>
               <a:ext uri="{FF2B5EF4-FFF2-40B4-BE49-F238E27FC236}">
-                <a16:creationId xmlns:a16="http://schemas.microsoft.com/office/drawing/2014/main" id="{EAEF3FFC-12E5-6ACD-80D6-380688242731}"/>
+                <a16:creationId xmlns:a16="http://schemas.microsoft.com/office/drawing/2014/main" id="{F404138A-287C-1040-03C2-4371D7757D9B}"/>
               </a:ext>
             </a:extLst>
           </p:cNvPr>
@@ -2715,7 +2715,7 @@
           <a:bodyPr/>
           <a:lstStyle/>
           <a:p>
-            <a:fld id="{F9DFDAA2-B103-446B-B4F8-C67DA671816A}" type="slidenum">
+            <a:fld id="{0432C084-F1FF-4FB7-BE5B-F26BD086D17A}" type="slidenum">
               <a:rPr lang="zh-CN" altLang="en-US" smtClean="0"/>
               <a:t>‹#›</a:t>
             </a:fld>
@@ -2726,7 +2726,7 @@
     </p:spTree>
     <p:extLst>
       <p:ext uri="{BB962C8B-B14F-4D97-AF65-F5344CB8AC3E}">
-        <p14:creationId xmlns:p14="http://schemas.microsoft.com/office/powerpoint/2010/main" val="1495639690"/>
+        <p14:creationId xmlns:p14="http://schemas.microsoft.com/office/powerpoint/2010/main" val="2319930177"/>
       </p:ext>
     </p:extLst>
   </p:cSld>
@@ -2763,7 +2763,7 @@
           <p:cNvPr id="2" name="标题占位符 1">
             <a:extLst>
               <a:ext uri="{FF2B5EF4-FFF2-40B4-BE49-F238E27FC236}">
-                <a16:creationId xmlns:a16="http://schemas.microsoft.com/office/drawing/2014/main" id="{69AB4E06-34B0-F8C6-2BB6-BA1B5FCD72E0}"/>
+                <a16:creationId xmlns:a16="http://schemas.microsoft.com/office/drawing/2014/main" id="{D739D27A-E950-35D8-03BF-392914AFF5B2}"/>
               </a:ext>
             </a:extLst>
           </p:cNvPr>
@@ -2801,7 +2801,7 @@
           <p:cNvPr id="3" name="文本占位符 2">
             <a:extLst>
               <a:ext uri="{FF2B5EF4-FFF2-40B4-BE49-F238E27FC236}">
-                <a16:creationId xmlns:a16="http://schemas.microsoft.com/office/drawing/2014/main" id="{CB081649-C440-BC16-9440-387271283F73}"/>
+                <a16:creationId xmlns:a16="http://schemas.microsoft.com/office/drawing/2014/main" id="{58F424EF-6192-3E82-1B63-BFD9899A1D07}"/>
               </a:ext>
             </a:extLst>
           </p:cNvPr>
@@ -2868,7 +2868,7 @@
           <p:cNvPr id="4" name="日期占位符 3">
             <a:extLst>
               <a:ext uri="{FF2B5EF4-FFF2-40B4-BE49-F238E27FC236}">
-                <a16:creationId xmlns:a16="http://schemas.microsoft.com/office/drawing/2014/main" id="{12C0A3DD-BAA4-03F9-B036-08D416738113}"/>
+                <a16:creationId xmlns:a16="http://schemas.microsoft.com/office/drawing/2014/main" id="{D75BC20D-D02A-450E-2E3F-7FB314F1431C}"/>
               </a:ext>
             </a:extLst>
           </p:cNvPr>
@@ -2902,7 +2902,7 @@
             </a:lvl1pPr>
           </a:lstStyle>
           <a:p>
-            <a:fld id="{527E9D71-DBBC-4AE1-9D83-97AD1577246C}" type="datetimeFigureOut">
+            <a:fld id="{B5412362-8E27-4DF3-8D56-65C13349BE37}" type="datetimeFigureOut">
               <a:rPr lang="zh-CN" altLang="en-US" smtClean="0"/>
               <a:t>2024/3/10</a:t>
             </a:fld>
@@ -2915,7 +2915,7 @@
           <p:cNvPr id="5" name="页脚占位符 4">
             <a:extLst>
               <a:ext uri="{FF2B5EF4-FFF2-40B4-BE49-F238E27FC236}">
-                <a16:creationId xmlns:a16="http://schemas.microsoft.com/office/drawing/2014/main" id="{FA30B9ED-1AE5-B1B1-512B-1F779E0FCDBF}"/>
+                <a16:creationId xmlns:a16="http://schemas.microsoft.com/office/drawing/2014/main" id="{D938FA57-ACFA-8B06-E63D-6970D5FC86AF}"/>
               </a:ext>
             </a:extLst>
           </p:cNvPr>
@@ -2958,7 +2958,7 @@
           <p:cNvPr id="6" name="灯片编号占位符 5">
             <a:extLst>
               <a:ext uri="{FF2B5EF4-FFF2-40B4-BE49-F238E27FC236}">
-                <a16:creationId xmlns:a16="http://schemas.microsoft.com/office/drawing/2014/main" id="{43AAE98D-9025-EFBE-9227-8F9FB843FA72}"/>
+                <a16:creationId xmlns:a16="http://schemas.microsoft.com/office/drawing/2014/main" id="{A4582775-D2CA-9F8F-F144-143B6D4A8C2B}"/>
               </a:ext>
             </a:extLst>
           </p:cNvPr>
@@ -2992,7 +2992,7 @@
             </a:lvl1pPr>
           </a:lstStyle>
           <a:p>
-            <a:fld id="{F9DFDAA2-B103-446B-B4F8-C67DA671816A}" type="slidenum">
+            <a:fld id="{0432C084-F1FF-4FB7-BE5B-F26BD086D17A}" type="slidenum">
               <a:rPr lang="zh-CN" altLang="en-US" smtClean="0"/>
               <a:t>‹#›</a:t>
             </a:fld>
@@ -3003,7 +3003,7 @@
     </p:spTree>
     <p:extLst>
       <p:ext uri="{BB962C8B-B14F-4D97-AF65-F5344CB8AC3E}">
-        <p14:creationId xmlns:p14="http://schemas.microsoft.com/office/powerpoint/2010/main" val="575418243"/>
+        <p14:creationId xmlns:p14="http://schemas.microsoft.com/office/powerpoint/2010/main" val="3706001366"/>
       </p:ext>
     </p:extLst>
   </p:cSld>
@@ -3323,7 +3323,7 @@
       </p:grpSpPr>
       <p:pic>
         <p:nvPicPr>
-          <p:cNvPr id="1328130" name="Picture 2" descr="1296"/>
+          <p:cNvPr id="1329154" name="Picture 2" descr="1297"/>
           <p:cNvPicPr>
             <a:picLocks noChangeAspect="1" noChangeArrowheads="1"/>
           </p:cNvPicPr>
@@ -3345,7 +3345,7 @@
         <p:spPr bwMode="auto">
           <a:xfrm>
             <a:off x="1524000" y="0"/>
-            <a:ext cx="9144000" cy="4292600"/>
+            <a:ext cx="9144000" cy="6021388"/>
           </a:xfrm>
           <a:prstGeom prst="rect">
             <a:avLst/>
